--- a/documentation/Real Time Credit Card Fraud detection System presentation 2.pptx
+++ b/documentation/Real Time Credit Card Fraud detection System presentation 2.pptx
@@ -104,6 +104,11 @@
       </a:defRPr>
     </a:lvl9pPr>
   </p:defaultTextStyle>
+  <p:extLst>
+    <p:ext uri="{EFAFB233-063F-42B5-8137-9DF3F51BA10A}">
+      <p15:sldGuideLst xmlns:p15="http://schemas.microsoft.com/office/powerpoint/2012/main"/>
+    </p:ext>
+  </p:extLst>
 </p:presentation>
 </file>
 
@@ -270,7 +275,7 @@
           <a:p>
             <a:fld id="{37443007-4488-42F8-8643-9DE6CD2AA3F2}" type="datetimeFigureOut">
               <a:rPr lang="en-ZW" smtClean="0"/>
-              <a:t>27/4/2021</a:t>
+              <a:t>10/5/2021</a:t>
             </a:fld>
             <a:endParaRPr lang="en-ZW"/>
           </a:p>
@@ -440,7 +445,7 @@
           <a:p>
             <a:fld id="{37443007-4488-42F8-8643-9DE6CD2AA3F2}" type="datetimeFigureOut">
               <a:rPr lang="en-ZW" smtClean="0"/>
-              <a:t>27/4/2021</a:t>
+              <a:t>10/5/2021</a:t>
             </a:fld>
             <a:endParaRPr lang="en-ZW"/>
           </a:p>
@@ -620,7 +625,7 @@
           <a:p>
             <a:fld id="{37443007-4488-42F8-8643-9DE6CD2AA3F2}" type="datetimeFigureOut">
               <a:rPr lang="en-ZW" smtClean="0"/>
-              <a:t>27/4/2021</a:t>
+              <a:t>10/5/2021</a:t>
             </a:fld>
             <a:endParaRPr lang="en-ZW"/>
           </a:p>
@@ -790,7 +795,7 @@
           <a:p>
             <a:fld id="{37443007-4488-42F8-8643-9DE6CD2AA3F2}" type="datetimeFigureOut">
               <a:rPr lang="en-ZW" smtClean="0"/>
-              <a:t>27/4/2021</a:t>
+              <a:t>10/5/2021</a:t>
             </a:fld>
             <a:endParaRPr lang="en-ZW"/>
           </a:p>
@@ -1058,7 +1063,7 @@
           <a:p>
             <a:fld id="{37443007-4488-42F8-8643-9DE6CD2AA3F2}" type="datetimeFigureOut">
               <a:rPr lang="en-ZW" smtClean="0"/>
-              <a:t>27/4/2021</a:t>
+              <a:t>10/5/2021</a:t>
             </a:fld>
             <a:endParaRPr lang="en-ZW"/>
           </a:p>
@@ -1290,7 +1295,7 @@
           <a:p>
             <a:fld id="{37443007-4488-42F8-8643-9DE6CD2AA3F2}" type="datetimeFigureOut">
               <a:rPr lang="en-ZW" smtClean="0"/>
-              <a:t>27/4/2021</a:t>
+              <a:t>10/5/2021</a:t>
             </a:fld>
             <a:endParaRPr lang="en-ZW"/>
           </a:p>
@@ -1645,7 +1650,7 @@
           <a:p>
             <a:fld id="{37443007-4488-42F8-8643-9DE6CD2AA3F2}" type="datetimeFigureOut">
               <a:rPr lang="en-ZW" smtClean="0"/>
-              <a:t>27/4/2021</a:t>
+              <a:t>10/5/2021</a:t>
             </a:fld>
             <a:endParaRPr lang="en-ZW"/>
           </a:p>
@@ -1786,7 +1791,7 @@
           <a:p>
             <a:fld id="{37443007-4488-42F8-8643-9DE6CD2AA3F2}" type="datetimeFigureOut">
               <a:rPr lang="en-ZW" smtClean="0"/>
-              <a:t>27/4/2021</a:t>
+              <a:t>10/5/2021</a:t>
             </a:fld>
             <a:endParaRPr lang="en-ZW"/>
           </a:p>
@@ -1881,7 +1886,7 @@
           <a:p>
             <a:fld id="{37443007-4488-42F8-8643-9DE6CD2AA3F2}" type="datetimeFigureOut">
               <a:rPr lang="en-ZW" smtClean="0"/>
-              <a:t>27/4/2021</a:t>
+              <a:t>10/5/2021</a:t>
             </a:fld>
             <a:endParaRPr lang="en-ZW"/>
           </a:p>
@@ -2238,7 +2243,7 @@
           <a:p>
             <a:fld id="{37443007-4488-42F8-8643-9DE6CD2AA3F2}" type="datetimeFigureOut">
               <a:rPr lang="en-ZW" smtClean="0"/>
-              <a:t>27/4/2021</a:t>
+              <a:t>10/5/2021</a:t>
             </a:fld>
             <a:endParaRPr lang="en-ZW"/>
           </a:p>
@@ -2594,7 +2599,7 @@
           <a:p>
             <a:fld id="{37443007-4488-42F8-8643-9DE6CD2AA3F2}" type="datetimeFigureOut">
               <a:rPr lang="en-ZW" smtClean="0"/>
-              <a:t>27/4/2021</a:t>
+              <a:t>10/5/2021</a:t>
             </a:fld>
             <a:endParaRPr lang="en-ZW"/>
           </a:p>
@@ -2834,7 +2839,7 @@
           <a:p>
             <a:fld id="{37443007-4488-42F8-8643-9DE6CD2AA3F2}" type="datetimeFigureOut">
               <a:rPr lang="en-ZW" smtClean="0"/>
-              <a:t>27/4/2021</a:t>
+              <a:t>10/5/2021</a:t>
             </a:fld>
             <a:endParaRPr lang="en-ZW"/>
           </a:p>
@@ -3371,7 +3376,7 @@
             </a:pPr>
             <a:r>
               <a:rPr lang="en-ZW" dirty="0"/>
-              <a:t>Develop a transaction classification model</a:t>
+              <a:t>To develop a transaction classification model with at least a 80% accuracy rate</a:t>
             </a:r>
           </a:p>
           <a:p>
@@ -3381,7 +3386,7 @@
             </a:pPr>
             <a:r>
               <a:rPr lang="en-ZW" dirty="0"/>
-              <a:t>Develop a web UI for transaction management</a:t>
+              <a:t>To detect anomalies within transactions in real-time</a:t>
             </a:r>
           </a:p>
           <a:p>
@@ -3391,7 +3396,7 @@
             </a:pPr>
             <a:r>
               <a:rPr lang="en-ZW" dirty="0"/>
-              <a:t>Develop a REST API to deploy the model</a:t>
+              <a:t>To escalate detected anomalies to the relevant authorities</a:t>
             </a:r>
           </a:p>
         </p:txBody>
